--- a/Comment2likes.pptx
+++ b/Comment2likes.pptx
@@ -19,7 +19,9 @@
     <p:sldId id="268" r:id="rId13"/>
     <p:sldId id="269" r:id="rId14"/>
     <p:sldId id="270" r:id="rId15"/>
-    <p:sldId id="271" r:id="rId16"/>
+    <p:sldId id="273" r:id="rId16"/>
+    <p:sldId id="272" r:id="rId17"/>
+    <p:sldId id="271" r:id="rId18"/>
   </p:sldIdLst>
   <p:sldSz cx="12192000" cy="6858000"/>
   <p:notesSz cx="6858000" cy="9144000"/>
@@ -265,7 +267,7 @@
           <a:p>
             <a:fld id="{2C739F87-700F-4D59-87EF-1AFEE39E153C}" type="datetimeFigureOut">
               <a:rPr lang="en-GB" smtClean="0"/>
-              <a:t>23/06/2023</a:t>
+              <a:t>24/06/2023</a:t>
             </a:fld>
             <a:endParaRPr lang="en-GB"/>
           </a:p>
@@ -476,7 +478,7 @@
           <a:p>
             <a:fld id="{2C739F87-700F-4D59-87EF-1AFEE39E153C}" type="datetimeFigureOut">
               <a:rPr lang="en-GB" smtClean="0"/>
-              <a:t>23/06/2023</a:t>
+              <a:t>24/06/2023</a:t>
             </a:fld>
             <a:endParaRPr lang="en-GB"/>
           </a:p>
@@ -691,7 +693,7 @@
           <a:p>
             <a:fld id="{2C739F87-700F-4D59-87EF-1AFEE39E153C}" type="datetimeFigureOut">
               <a:rPr lang="en-GB" smtClean="0"/>
-              <a:t>23/06/2023</a:t>
+              <a:t>24/06/2023</a:t>
             </a:fld>
             <a:endParaRPr lang="en-GB"/>
           </a:p>
@@ -892,7 +894,7 @@
           <a:p>
             <a:fld id="{2C739F87-700F-4D59-87EF-1AFEE39E153C}" type="datetimeFigureOut">
               <a:rPr lang="en-GB" smtClean="0"/>
-              <a:t>23/06/2023</a:t>
+              <a:t>24/06/2023</a:t>
             </a:fld>
             <a:endParaRPr lang="en-GB"/>
           </a:p>
@@ -1171,7 +1173,7 @@
           <a:p>
             <a:fld id="{2C739F87-700F-4D59-87EF-1AFEE39E153C}" type="datetimeFigureOut">
               <a:rPr lang="en-GB" smtClean="0"/>
-              <a:t>23/06/2023</a:t>
+              <a:t>24/06/2023</a:t>
             </a:fld>
             <a:endParaRPr lang="en-GB"/>
           </a:p>
@@ -1439,7 +1441,7 @@
           <a:p>
             <a:fld id="{2C739F87-700F-4D59-87EF-1AFEE39E153C}" type="datetimeFigureOut">
               <a:rPr lang="en-GB" smtClean="0"/>
-              <a:t>23/06/2023</a:t>
+              <a:t>24/06/2023</a:t>
             </a:fld>
             <a:endParaRPr lang="en-GB"/>
           </a:p>
@@ -1855,7 +1857,7 @@
           <a:p>
             <a:fld id="{2C739F87-700F-4D59-87EF-1AFEE39E153C}" type="datetimeFigureOut">
               <a:rPr lang="en-GB" smtClean="0"/>
-              <a:t>23/06/2023</a:t>
+              <a:t>24/06/2023</a:t>
             </a:fld>
             <a:endParaRPr lang="en-GB"/>
           </a:p>
@@ -2004,7 +2006,7 @@
           <a:p>
             <a:fld id="{2C739F87-700F-4D59-87EF-1AFEE39E153C}" type="datetimeFigureOut">
               <a:rPr lang="en-GB" smtClean="0"/>
-              <a:t>23/06/2023</a:t>
+              <a:t>24/06/2023</a:t>
             </a:fld>
             <a:endParaRPr lang="en-GB"/>
           </a:p>
@@ -2130,7 +2132,7 @@
           <a:p>
             <a:fld id="{2C739F87-700F-4D59-87EF-1AFEE39E153C}" type="datetimeFigureOut">
               <a:rPr lang="en-GB" smtClean="0"/>
-              <a:t>23/06/2023</a:t>
+              <a:t>24/06/2023</a:t>
             </a:fld>
             <a:endParaRPr lang="en-GB"/>
           </a:p>
@@ -2381,7 +2383,7 @@
           <a:p>
             <a:fld id="{2C739F87-700F-4D59-87EF-1AFEE39E153C}" type="datetimeFigureOut">
               <a:rPr lang="en-GB" smtClean="0"/>
-              <a:t>23/06/2023</a:t>
+              <a:t>24/06/2023</a:t>
             </a:fld>
             <a:endParaRPr lang="en-GB"/>
           </a:p>
@@ -2826,7 +2828,7 @@
           <a:p>
             <a:fld id="{2C739F87-700F-4D59-87EF-1AFEE39E153C}" type="datetimeFigureOut">
               <a:rPr lang="en-GB" smtClean="0"/>
-              <a:t>23/06/2023</a:t>
+              <a:t>24/06/2023</a:t>
             </a:fld>
             <a:endParaRPr lang="en-GB"/>
           </a:p>
@@ -3153,7 +3155,7 @@
           <a:p>
             <a:fld id="{2C739F87-700F-4D59-87EF-1AFEE39E153C}" type="datetimeFigureOut">
               <a:rPr lang="en-GB" smtClean="0"/>
-              <a:t>23/06/2023</a:t>
+              <a:t>24/06/2023</a:t>
             </a:fld>
             <a:endParaRPr lang="en-GB"/>
           </a:p>
@@ -4239,6 +4241,187 @@
       </p:grpSpPr>
       <p:sp>
         <p:nvSpPr>
+          <p:cNvPr id="3" name="Content Placeholder 2">
+            <a:extLst>
+              <a:ext uri="{FF2B5EF4-FFF2-40B4-BE49-F238E27FC236}">
+                <a16:creationId xmlns:a16="http://schemas.microsoft.com/office/drawing/2014/main" id="{A47ED900-0103-95B0-D6EC-54C37FB22ACA}"/>
+              </a:ext>
+            </a:extLst>
+          </p:cNvPr>
+          <p:cNvSpPr>
+            <a:spLocks noGrp="1"/>
+          </p:cNvSpPr>
+          <p:nvPr>
+            <p:ph idx="1"/>
+          </p:nvPr>
+        </p:nvSpPr>
+        <p:spPr/>
+        <p:txBody>
+          <a:bodyPr/>
+          <a:lstStyle/>
+          <a:p>
+            <a:endParaRPr lang="en-GB"/>
+          </a:p>
+        </p:txBody>
+      </p:sp>
+      <p:pic>
+        <p:nvPicPr>
+          <p:cNvPr id="1026" name="Picture 2">
+            <a:extLst>
+              <a:ext uri="{FF2B5EF4-FFF2-40B4-BE49-F238E27FC236}">
+                <a16:creationId xmlns:a16="http://schemas.microsoft.com/office/drawing/2014/main" id="{71C0474A-055A-192F-C1B7-384BA5AE7F97}"/>
+              </a:ext>
+            </a:extLst>
+          </p:cNvPr>
+          <p:cNvPicPr>
+            <a:picLocks noChangeAspect="1" noChangeArrowheads="1"/>
+          </p:cNvPicPr>
+          <p:nvPr/>
+        </p:nvPicPr>
+        <p:blipFill>
+          <a:blip r:embed="rId2">
+            <a:extLst>
+              <a:ext uri="{28A0092B-C50C-407E-A947-70E740481C1C}">
+                <a14:useLocalDpi xmlns:a14="http://schemas.microsoft.com/office/drawing/2010/main" val="0"/>
+              </a:ext>
+            </a:extLst>
+          </a:blip>
+          <a:srcRect/>
+          <a:stretch>
+            <a:fillRect/>
+          </a:stretch>
+        </p:blipFill>
+        <p:spPr bwMode="auto">
+          <a:xfrm>
+            <a:off x="0" y="1814513"/>
+            <a:ext cx="12192000" cy="3228975"/>
+          </a:xfrm>
+          <a:prstGeom prst="rect">
+            <a:avLst/>
+          </a:prstGeom>
+          <a:noFill/>
+          <a:extLst>
+            <a:ext uri="{909E8E84-426E-40DD-AFC4-6F175D3DCCD1}">
+              <a14:hiddenFill xmlns:a14="http://schemas.microsoft.com/office/drawing/2010/main">
+                <a:solidFill>
+                  <a:srgbClr val="FFFFFF"/>
+                </a:solidFill>
+              </a14:hiddenFill>
+            </a:ext>
+          </a:extLst>
+        </p:spPr>
+      </p:pic>
+    </p:spTree>
+    <p:extLst>
+      <p:ext uri="{BB962C8B-B14F-4D97-AF65-F5344CB8AC3E}">
+        <p14:creationId xmlns:p14="http://schemas.microsoft.com/office/powerpoint/2010/main" val="2637448217"/>
+      </p:ext>
+    </p:extLst>
+  </p:cSld>
+  <p:clrMapOvr>
+    <a:masterClrMapping/>
+  </p:clrMapOvr>
+</p:sld>
+</file>
+
+<file path=ppt/slides/slide16.xml><?xml version="1.0" encoding="utf-8"?>
+<p:sld xmlns:a="http://schemas.openxmlformats.org/drawingml/2006/main" xmlns:r="http://schemas.openxmlformats.org/officeDocument/2006/relationships" xmlns:p="http://schemas.openxmlformats.org/presentationml/2006/main">
+  <p:cSld>
+    <p:spTree>
+      <p:nvGrpSpPr>
+        <p:cNvPr id="1" name=""/>
+        <p:cNvGrpSpPr/>
+        <p:nvPr/>
+      </p:nvGrpSpPr>
+      <p:grpSpPr>
+        <a:xfrm>
+          <a:off x="0" y="0"/>
+          <a:ext cx="0" cy="0"/>
+          <a:chOff x="0" y="0"/>
+          <a:chExt cx="0" cy="0"/>
+        </a:xfrm>
+      </p:grpSpPr>
+      <p:pic>
+        <p:nvPicPr>
+          <p:cNvPr id="2050" name="Picture 2">
+            <a:extLst>
+              <a:ext uri="{FF2B5EF4-FFF2-40B4-BE49-F238E27FC236}">
+                <a16:creationId xmlns:a16="http://schemas.microsoft.com/office/drawing/2014/main" id="{1219BCB8-F1FC-4E1B-D4A8-6BC64174D906}"/>
+              </a:ext>
+            </a:extLst>
+          </p:cNvPr>
+          <p:cNvPicPr>
+            <a:picLocks noGrp="1" noChangeAspect="1" noChangeArrowheads="1"/>
+          </p:cNvPicPr>
+          <p:nvPr>
+            <p:ph idx="1"/>
+          </p:nvPr>
+        </p:nvPicPr>
+        <p:blipFill>
+          <a:blip r:embed="rId2">
+            <a:extLst>
+              <a:ext uri="{28A0092B-C50C-407E-A947-70E740481C1C}">
+                <a14:useLocalDpi xmlns:a14="http://schemas.microsoft.com/office/drawing/2010/main" val="0"/>
+              </a:ext>
+            </a:extLst>
+          </a:blip>
+          <a:srcRect/>
+          <a:stretch>
+            <a:fillRect/>
+          </a:stretch>
+        </p:blipFill>
+        <p:spPr bwMode="auto">
+          <a:xfrm>
+            <a:off x="4528343" y="2016125"/>
+            <a:ext cx="3449638" cy="3449638"/>
+          </a:xfrm>
+          <a:prstGeom prst="rect">
+            <a:avLst/>
+          </a:prstGeom>
+          <a:noFill/>
+          <a:extLst>
+            <a:ext uri="{909E8E84-426E-40DD-AFC4-6F175D3DCCD1}">
+              <a14:hiddenFill xmlns:a14="http://schemas.microsoft.com/office/drawing/2010/main">
+                <a:solidFill>
+                  <a:srgbClr val="FFFFFF"/>
+                </a:solidFill>
+              </a14:hiddenFill>
+            </a:ext>
+          </a:extLst>
+        </p:spPr>
+      </p:pic>
+    </p:spTree>
+    <p:extLst>
+      <p:ext uri="{BB962C8B-B14F-4D97-AF65-F5344CB8AC3E}">
+        <p14:creationId xmlns:p14="http://schemas.microsoft.com/office/powerpoint/2010/main" val="2224931733"/>
+      </p:ext>
+    </p:extLst>
+  </p:cSld>
+  <p:clrMapOvr>
+    <a:masterClrMapping/>
+  </p:clrMapOvr>
+</p:sld>
+</file>
+
+<file path=ppt/slides/slide17.xml><?xml version="1.0" encoding="utf-8"?>
+<p:sld xmlns:a="http://schemas.openxmlformats.org/drawingml/2006/main" xmlns:r="http://schemas.openxmlformats.org/officeDocument/2006/relationships" xmlns:p="http://schemas.openxmlformats.org/presentationml/2006/main">
+  <p:cSld>
+    <p:spTree>
+      <p:nvGrpSpPr>
+        <p:cNvPr id="1" name=""/>
+        <p:cNvGrpSpPr/>
+        <p:nvPr/>
+      </p:nvGrpSpPr>
+      <p:grpSpPr>
+        <a:xfrm>
+          <a:off x="0" y="0"/>
+          <a:ext cx="0" cy="0"/>
+          <a:chOff x="0" y="0"/>
+          <a:chExt cx="0" cy="0"/>
+        </a:xfrm>
+      </p:grpSpPr>
+      <p:sp>
+        <p:nvSpPr>
           <p:cNvPr id="2" name="Title 1">
             <a:extLst>
               <a:ext uri="{FF2B5EF4-FFF2-40B4-BE49-F238E27FC236}">
@@ -4328,6 +4511,15 @@
             <a:r>
               <a:rPr lang="en-GB" dirty="0"/>
               <a:t>4.Mr.Beast has the highest number of likes of comments.</a:t>
+            </a:r>
+          </a:p>
+          <a:p>
+            <a:pPr marL="0" indent="0">
+              <a:buNone/>
+            </a:pPr>
+            <a:r>
+              <a:rPr lang="en-GB" dirty="0"/>
+              <a:t>5.The love word is appeared more times in positive comments.</a:t>
             </a:r>
           </a:p>
         </p:txBody>
@@ -4793,7 +4985,9 @@
         </p:nvSpPr>
         <p:spPr/>
         <p:txBody>
-          <a:bodyPr/>
+          <a:bodyPr>
+            <a:normAutofit fontScale="85000" lnSpcReduction="20000"/>
+          </a:bodyPr>
           <a:lstStyle/>
           <a:p>
             <a:pPr marL="0" indent="0" algn="l">
@@ -4808,6 +5002,21 @@
                 <a:latin typeface="Roboto" panose="020B0604020202020204" pitchFamily="2" charset="0"/>
               </a:rPr>
               <a:t>Some common problems faced when dealing with text data(in this case Comments column)</a:t>
+            </a:r>
+          </a:p>
+          <a:p>
+            <a:pPr marL="0" indent="0" algn="l">
+              <a:buNone/>
+            </a:pPr>
+            <a:r>
+              <a:rPr lang="en-US" b="0" i="0" dirty="0">
+                <a:solidFill>
+                  <a:srgbClr val="212121"/>
+                </a:solidFill>
+                <a:effectLst/>
+                <a:latin typeface="Roboto" panose="020B0604020202020204" pitchFamily="2" charset="0"/>
+              </a:rPr>
+              <a:t>Text Preprocessing</a:t>
             </a:r>
           </a:p>
           <a:p>
@@ -4905,6 +5114,35 @@
                 <a:latin typeface="Roboto" panose="020B0604020202020204" pitchFamily="2" charset="0"/>
               </a:rPr>
               <a:t>Lemmatization</a:t>
+            </a:r>
+          </a:p>
+          <a:p>
+            <a:pPr marL="0" indent="0" algn="l">
+              <a:buNone/>
+            </a:pPr>
+            <a:r>
+              <a:rPr lang="en-US" dirty="0">
+                <a:solidFill>
+                  <a:srgbClr val="212121"/>
+                </a:solidFill>
+                <a:latin typeface="Roboto" panose="020B0604020202020204" pitchFamily="2" charset="0"/>
+              </a:rPr>
+              <a:t>NLP(1 gram approach and TF-IDF)</a:t>
+            </a:r>
+          </a:p>
+          <a:p>
+            <a:pPr marL="0" indent="0" algn="l">
+              <a:buNone/>
+            </a:pPr>
+            <a:r>
+              <a:rPr lang="en-US" b="0" i="0" dirty="0">
+                <a:solidFill>
+                  <a:srgbClr val="212121"/>
+                </a:solidFill>
+                <a:effectLst/>
+                <a:latin typeface="Roboto" panose="020B0604020202020204" pitchFamily="2" charset="0"/>
+              </a:rPr>
+              <a:t>ML Algorithms(Linear Regression and Decision Tree)</a:t>
             </a:r>
           </a:p>
           <a:p>
